--- a/Sprints/Sprint_009 da equipe.pptx
+++ b/Sprints/Sprint_009 da equipe.pptx
@@ -3410,9 +3410,14 @@
               <a:rPr lang="pt-BR" dirty="0"/>
             </a:br>
             <a:r>
-              <a:rPr lang="pt-BR" dirty="0"/>
-              <a:t>29/10/2018</a:t>
-            </a:r>
+              <a:rPr lang="pt-BR" u="sng" dirty="0" smtClean="0"/>
+              <a:t>05</a:t>
+            </a:r>
+            <a:r>
+              <a:rPr lang="pt-BR" u="sng" dirty="0" smtClean="0"/>
+              <a:t>/11/2018</a:t>
+            </a:r>
+            <a:endParaRPr lang="pt-BR" u="sng" dirty="0"/>
           </a:p>
         </p:txBody>
       </p:sp>
